--- a/発表資料/Haselab_presentation_template.pptx
+++ b/発表資料/Haselab_presentation_template.pptx
@@ -241,7 +241,7 @@
           <a:p>
             <a:fld id="{BD089E51-1345-4032-886D-AE8AF688B30C}" type="datetimeFigureOut">
               <a:rPr kumimoji="1" lang="ja-JP" altLang="en-US" smtClean="0"/>
-              <a:t>2025/3/23</a:t>
+              <a:t>2025/6/27</a:t>
             </a:fld>
             <a:endParaRPr kumimoji="1" lang="ja-JP" altLang="en-US"/>
           </a:p>
@@ -5064,7 +5064,7 @@
         <p:spPr>
           <a:xfrm>
             <a:off x="149902" y="1244183"/>
-            <a:ext cx="9488773" cy="369332"/>
+            <a:ext cx="11887200" cy="2092881"/>
           </a:xfrm>
           <a:prstGeom prst="rect">
             <a:avLst/>
@@ -5078,21 +5078,288 @@
           <a:lstStyle/>
           <a:p>
             <a:r>
-              <a:rPr lang="en-JP" dirty="0"/>
-              <a:t>[1] xxxx </a:t>
-            </a:r>
-            <a:r>
-              <a:rPr lang="en-JP" i="1" dirty="0"/>
-              <a:t>et.al., “xxxxx</a:t>
-            </a:r>
-            <a:r>
-              <a:rPr lang="en-US" i="0" dirty="0">
+              <a:rPr lang="en-JP" altLang="ja-JP" sz="1600" dirty="0"/>
+              <a:t>[1]</a:t>
+            </a:r>
+            <a:r>
+              <a:rPr lang="ja-JP" altLang="en-US" sz="1600" dirty="0"/>
+              <a:t> </a:t>
+            </a:r>
+            <a:r>
+              <a:rPr lang="en-US" altLang="ja-JP" sz="1600" dirty="0"/>
+              <a:t>Bergman</a:t>
+            </a:r>
+            <a:r>
+              <a:rPr lang="en-JP" altLang="ja-JP" sz="1600" dirty="0"/>
+              <a:t> </a:t>
+            </a:r>
+            <a:r>
+              <a:rPr lang="en-JP" altLang="ja-JP" sz="1600" i="1" dirty="0"/>
+              <a:t>et.al., </a:t>
+            </a:r>
+            <a:r>
+              <a:rPr lang="en-US" sz="1600" dirty="0">
                 <a:solidFill>
                   <a:srgbClr val="000000"/>
                 </a:solidFill>
-                <a:effectLst/>
+                <a:hlinkClick r:id="rId2"/>
               </a:rPr>
-              <a:t>”, 20xx, xxx</a:t>
+              <a:t>“Deep Nearest Neighbor Anomaly Detection</a:t>
+            </a:r>
+            <a:r>
+              <a:rPr lang="en-US" sz="1600" dirty="0">
+                <a:solidFill>
+                  <a:srgbClr val="000000"/>
+                </a:solidFill>
+              </a:rPr>
+              <a:t>”, 2020, DOKODOKO</a:t>
+            </a:r>
+            <a:endParaRPr lang="en-US" altLang="ja-JP" sz="1600" dirty="0"/>
+          </a:p>
+          <a:p>
+            <a:r>
+              <a:rPr lang="en-JP" altLang="ja-JP" sz="1600" dirty="0"/>
+              <a:t>[</a:t>
+            </a:r>
+            <a:r>
+              <a:rPr lang="en-US" altLang="ja-JP" sz="1600" dirty="0"/>
+              <a:t>2</a:t>
+            </a:r>
+            <a:r>
+              <a:rPr lang="en-JP" altLang="ja-JP" sz="1600" dirty="0"/>
+              <a:t>]</a:t>
+            </a:r>
+            <a:r>
+              <a:rPr lang="en-US" altLang="ja-JP" sz="1600" dirty="0">
+                <a:solidFill>
+                  <a:srgbClr val="000000"/>
+                </a:solidFill>
+              </a:rPr>
+              <a:t> </a:t>
+            </a:r>
+            <a:r>
+              <a:rPr lang="en-US" altLang="ja-JP" sz="1600" dirty="0"/>
+              <a:t>Cohen et.al., </a:t>
+            </a:r>
+            <a:r>
+              <a:rPr lang="en-US" altLang="ja-JP" sz="1600" dirty="0">
+                <a:solidFill>
+                  <a:srgbClr val="000000"/>
+                </a:solidFill>
+                <a:hlinkClick r:id="rId3"/>
+              </a:rPr>
+              <a:t>“Sub-Image Anomaly Detection with Deep Pyramid Correspondences</a:t>
+            </a:r>
+            <a:r>
+              <a:rPr lang="en-US" altLang="ja-JP" sz="1600" dirty="0">
+                <a:hlinkClick r:id="rId4"/>
+              </a:rPr>
+              <a:t>”</a:t>
+            </a:r>
+            <a:r>
+              <a:rPr lang="en-US" altLang="ja-JP" sz="1600" dirty="0">
+                <a:solidFill>
+                  <a:srgbClr val="000000"/>
+                </a:solidFill>
+              </a:rPr>
+              <a:t> 2020, </a:t>
+            </a:r>
+            <a:r>
+              <a:rPr lang="en-US" altLang="ja-JP" sz="1600" dirty="0"/>
+              <a:t>CVPR 2020 </a:t>
+            </a:r>
+          </a:p>
+          <a:p>
+            <a:r>
+              <a:rPr lang="en-JP" altLang="ja-JP" sz="1600" dirty="0"/>
+              <a:t>[</a:t>
+            </a:r>
+            <a:r>
+              <a:rPr lang="en-US" altLang="ja-JP" sz="1600" dirty="0"/>
+              <a:t>3</a:t>
+            </a:r>
+            <a:r>
+              <a:rPr lang="en-JP" altLang="ja-JP" sz="1600" dirty="0"/>
+              <a:t>]</a:t>
+            </a:r>
+            <a:r>
+              <a:rPr lang="en-US" altLang="ja-JP" sz="1600" dirty="0"/>
+              <a:t> </a:t>
+            </a:r>
+            <a:r>
+              <a:rPr lang="en-US" altLang="ja-JP" sz="1600" dirty="0" err="1"/>
+              <a:t>Defard</a:t>
+            </a:r>
+            <a:r>
+              <a:rPr lang="en-US" altLang="ja-JP" sz="1600" dirty="0"/>
+              <a:t> et.al., </a:t>
+            </a:r>
+            <a:r>
+              <a:rPr lang="en-US" altLang="ja-JP" sz="1600" dirty="0">
+                <a:hlinkClick r:id="rId5"/>
+              </a:rPr>
+              <a:t>“</a:t>
+            </a:r>
+            <a:r>
+              <a:rPr lang="en-US" altLang="ja-JP" sz="1600" dirty="0" err="1">
+                <a:hlinkClick r:id="rId5"/>
+              </a:rPr>
+              <a:t>PaDiM</a:t>
+            </a:r>
+            <a:r>
+              <a:rPr lang="en-US" altLang="ja-JP" sz="1600" dirty="0">
+                <a:hlinkClick r:id="rId5"/>
+              </a:rPr>
+              <a:t>: a Patch Distribution Modeling Framework for Anomaly Detection and Localization</a:t>
+            </a:r>
+            <a:r>
+              <a:rPr lang="en-US" altLang="ja-JP" sz="1600" dirty="0">
+                <a:hlinkClick r:id="rId4"/>
+              </a:rPr>
+              <a:t>”</a:t>
+            </a:r>
+            <a:r>
+              <a:rPr lang="en-US" altLang="ja-JP" sz="1600" dirty="0">
+                <a:solidFill>
+                  <a:srgbClr val="000000"/>
+                </a:solidFill>
+              </a:rPr>
+              <a:t> 2020, DOKODOKO</a:t>
+            </a:r>
+            <a:endParaRPr lang="en-US" altLang="ja-JP" sz="1600" dirty="0"/>
+          </a:p>
+          <a:p>
+            <a:r>
+              <a:rPr lang="en-JP" altLang="ja-JP" sz="1600" dirty="0"/>
+              <a:t>[</a:t>
+            </a:r>
+            <a:r>
+              <a:rPr lang="en-US" altLang="ja-JP" sz="1600" dirty="0"/>
+              <a:t>4</a:t>
+            </a:r>
+            <a:r>
+              <a:rPr lang="en-JP" altLang="ja-JP" sz="1600" dirty="0"/>
+              <a:t>]</a:t>
+            </a:r>
+            <a:r>
+              <a:rPr lang="en-US" altLang="ja-JP" sz="1600" dirty="0"/>
+              <a:t> Roth et.al., </a:t>
+            </a:r>
+            <a:r>
+              <a:rPr lang="en-US" altLang="ja-JP" sz="1600" dirty="0">
+                <a:hlinkClick r:id="rId4"/>
+              </a:rPr>
+              <a:t>“Towards Total Recall in Industrial Anomaly Detection”</a:t>
+            </a:r>
+            <a:r>
+              <a:rPr lang="en-US" altLang="ja-JP" sz="1600" dirty="0">
+                <a:solidFill>
+                  <a:srgbClr val="000000"/>
+                </a:solidFill>
+              </a:rPr>
+              <a:t> 2021, DOKODOKO</a:t>
+            </a:r>
+            <a:endParaRPr lang="en-US" altLang="ja-JP" sz="1600" dirty="0"/>
+          </a:p>
+          <a:p>
+            <a:r>
+              <a:rPr lang="en-JP" altLang="ja-JP" sz="1600" dirty="0"/>
+              <a:t>[</a:t>
+            </a:r>
+            <a:r>
+              <a:rPr lang="en-US" altLang="ja-JP" sz="1600" dirty="0"/>
+              <a:t>5</a:t>
+            </a:r>
+            <a:r>
+              <a:rPr lang="en-JP" altLang="ja-JP" sz="1600" dirty="0"/>
+              <a:t>]</a:t>
+            </a:r>
+            <a:r>
+              <a:rPr lang="en-US" altLang="ja-JP" sz="1600" dirty="0"/>
+              <a:t> Bergmann et.al., </a:t>
+            </a:r>
+            <a:r>
+              <a:rPr lang="en-US" altLang="ja-JP" sz="1600" dirty="0">
+                <a:hlinkClick r:id="rId6"/>
+              </a:rPr>
+              <a:t>“Improving Unsupervised Defect Segmentation by Applying Structural Similarity to Autoencoders”</a:t>
+            </a:r>
+            <a:r>
+              <a:rPr lang="en-US" altLang="ja-JP" sz="1600" dirty="0">
+                <a:solidFill>
+                  <a:srgbClr val="000000"/>
+                </a:solidFill>
+              </a:rPr>
+              <a:t> 2018, DOKODOKO</a:t>
+            </a:r>
+            <a:endParaRPr lang="en-US" altLang="ja-JP" sz="1600" dirty="0"/>
+          </a:p>
+          <a:p>
+            <a:r>
+              <a:rPr lang="en-JP" altLang="ja-JP" sz="1600" dirty="0"/>
+              <a:t>[</a:t>
+            </a:r>
+            <a:r>
+              <a:rPr lang="en-US" altLang="ja-JP" sz="1600" dirty="0"/>
+              <a:t>6</a:t>
+            </a:r>
+            <a:r>
+              <a:rPr lang="en-JP" altLang="ja-JP" sz="1600" dirty="0"/>
+              <a:t>]</a:t>
+            </a:r>
+            <a:r>
+              <a:rPr lang="en-US" altLang="ja-JP" sz="1600" dirty="0"/>
+              <a:t> You et.al., </a:t>
+            </a:r>
+            <a:r>
+              <a:rPr lang="en-US" altLang="ja-JP" sz="1600" dirty="0">
+                <a:hlinkClick r:id="rId7"/>
+              </a:rPr>
+              <a:t>“ADTR: Anomaly Detection Transformer with Feature Reconstruction”</a:t>
+            </a:r>
+            <a:r>
+              <a:rPr lang="en-US" altLang="ja-JP" sz="1600" dirty="0">
+                <a:solidFill>
+                  <a:srgbClr val="000000"/>
+                </a:solidFill>
+              </a:rPr>
+              <a:t> 2022, DOKODOKO</a:t>
+            </a:r>
+            <a:endParaRPr lang="en-US" altLang="ja-JP" sz="1600" dirty="0"/>
+          </a:p>
+          <a:p>
+            <a:r>
+              <a:rPr lang="en-JP" altLang="ja-JP" sz="1600" dirty="0"/>
+              <a:t>[</a:t>
+            </a:r>
+            <a:r>
+              <a:rPr lang="en-US" altLang="ja-JP" sz="1600" dirty="0"/>
+              <a:t>7</a:t>
+            </a:r>
+            <a:r>
+              <a:rPr lang="en-JP" altLang="ja-JP" sz="1600" dirty="0"/>
+              <a:t>]</a:t>
+            </a:r>
+            <a:r>
+              <a:rPr lang="en-US" altLang="ja-JP" sz="1600" dirty="0"/>
+              <a:t> </a:t>
+            </a:r>
+            <a:r>
+              <a:rPr lang="en-US" sz="1600" dirty="0">
+                <a:solidFill>
+                  <a:srgbClr val="000000"/>
+                </a:solidFill>
+                <a:hlinkClick r:id="rId8"/>
+              </a:rPr>
+              <a:t>“Removing Anomalies as Noises for Industrial Defect Localization”</a:t>
+            </a:r>
+            <a:r>
+              <a:rPr lang="en-US" altLang="ja-JP" sz="1600" dirty="0">
+                <a:solidFill>
+                  <a:srgbClr val="000000"/>
+                </a:solidFill>
+              </a:rPr>
+              <a:t> 2023, ICCV 2023</a:t>
             </a:r>
           </a:p>
         </p:txBody>
